--- a/Grafici/GRAFICI ASIM.pptx
+++ b/Grafici/GRAFICI ASIM.pptx
@@ -127,16 +127,32 @@
 </p:presentation>
 </file>
 
-<file path=ppt/revisionInfo.xml><?xml version="1.0" encoding="utf-8"?>
-<p1510:revInfo xmlns:a="http://schemas.openxmlformats.org/drawingml/2006/main" xmlns:r="http://schemas.openxmlformats.org/officeDocument/2006/relationships" xmlns:p1510="http://schemas.microsoft.com/office/powerpoint/2015/10/main">
-  <p1510:revLst>
-    <p1510:client id="{F5869DCF-410F-48C8-BC35-324E97618F24}" v="35" dt="2022-07-21T16:32:25.668"/>
-  </p1510:revLst>
-</p1510:revInfo>
-</file>
-
 <file path=ppt/changesInfos/changesInfo1.xml><?xml version="1.0" encoding="utf-8"?>
 <pc:chgInfo xmlns:a="http://schemas.openxmlformats.org/drawingml/2006/main" xmlns:r="http://schemas.openxmlformats.org/officeDocument/2006/relationships" xmlns:ac="http://schemas.microsoft.com/office/drawing/2013/main/command" xmlns:pc="http://schemas.microsoft.com/office/powerpoint/2013/main/command">
+  <pc:docChgLst>
+    <pc:chgData name="GIUSEPPE RICCIO" userId="942fdfbf-bfde-431b-81dd-57d51d3a24a9" providerId="ADAL" clId="{D6FD7A65-1459-5C4D-ABBA-C69687D40B00}"/>
+    <pc:docChg chg="modSld">
+      <pc:chgData name="GIUSEPPE RICCIO" userId="942fdfbf-bfde-431b-81dd-57d51d3a24a9" providerId="ADAL" clId="{D6FD7A65-1459-5C4D-ABBA-C69687D40B00}" dt="2022-07-24T12:13:52.374" v="1" actId="20577"/>
+      <pc:docMkLst>
+        <pc:docMk/>
+      </pc:docMkLst>
+      <pc:sldChg chg="modSp mod">
+        <pc:chgData name="GIUSEPPE RICCIO" userId="942fdfbf-bfde-431b-81dd-57d51d3a24a9" providerId="ADAL" clId="{D6FD7A65-1459-5C4D-ABBA-C69687D40B00}" dt="2022-07-24T12:13:52.374" v="1" actId="20577"/>
+        <pc:sldMkLst>
+          <pc:docMk/>
+          <pc:sldMk cId="4175523392" sldId="264"/>
+        </pc:sldMkLst>
+        <pc:spChg chg="mod">
+          <ac:chgData name="GIUSEPPE RICCIO" userId="942fdfbf-bfde-431b-81dd-57d51d3a24a9" providerId="ADAL" clId="{D6FD7A65-1459-5C4D-ABBA-C69687D40B00}" dt="2022-07-24T12:13:52.374" v="1" actId="20577"/>
+          <ac:spMkLst>
+            <pc:docMk/>
+            <pc:sldMk cId="4175523392" sldId="264"/>
+            <ac:spMk id="9" creationId="{CCF862D1-72A9-29A9-FDC6-6936E061CB65}"/>
+          </ac:spMkLst>
+        </pc:spChg>
+      </pc:sldChg>
+    </pc:docChg>
+  </pc:docChgLst>
   <pc:docChgLst>
     <pc:chgData name="GIUSEPPE RICCIO" userId="942fdfbf-bfde-431b-81dd-57d51d3a24a9" providerId="ADAL" clId="{F5869DCF-410F-48C8-BC35-324E97618F24}"/>
     <pc:docChg chg="undo redo custSel addSld delSld modSld">
@@ -1471,7 +1487,7 @@
           <a:p>
             <a:fld id="{DBC06DB7-52E6-5C4A-88EC-3DA6D0BFD9A6}" type="datetimeFigureOut">
               <a:rPr lang="it-IT" smtClean="0"/>
-              <a:t>21/07/2022</a:t>
+              <a:t>24/07/22</a:t>
             </a:fld>
             <a:endParaRPr lang="it-IT"/>
           </a:p>
@@ -1669,7 +1685,7 @@
           <a:p>
             <a:fld id="{DBC06DB7-52E6-5C4A-88EC-3DA6D0BFD9A6}" type="datetimeFigureOut">
               <a:rPr lang="it-IT" smtClean="0"/>
-              <a:t>21/07/2022</a:t>
+              <a:t>24/07/22</a:t>
             </a:fld>
             <a:endParaRPr lang="it-IT"/>
           </a:p>
@@ -1877,7 +1893,7 @@
           <a:p>
             <a:fld id="{DBC06DB7-52E6-5C4A-88EC-3DA6D0BFD9A6}" type="datetimeFigureOut">
               <a:rPr lang="it-IT" smtClean="0"/>
-              <a:t>21/07/2022</a:t>
+              <a:t>24/07/22</a:t>
             </a:fld>
             <a:endParaRPr lang="it-IT"/>
           </a:p>
@@ -2075,7 +2091,7 @@
           <a:p>
             <a:fld id="{DBC06DB7-52E6-5C4A-88EC-3DA6D0BFD9A6}" type="datetimeFigureOut">
               <a:rPr lang="it-IT" smtClean="0"/>
-              <a:t>21/07/2022</a:t>
+              <a:t>24/07/22</a:t>
             </a:fld>
             <a:endParaRPr lang="it-IT"/>
           </a:p>
@@ -2350,7 +2366,7 @@
           <a:p>
             <a:fld id="{DBC06DB7-52E6-5C4A-88EC-3DA6D0BFD9A6}" type="datetimeFigureOut">
               <a:rPr lang="it-IT" smtClean="0"/>
-              <a:t>21/07/2022</a:t>
+              <a:t>24/07/22</a:t>
             </a:fld>
             <a:endParaRPr lang="it-IT"/>
           </a:p>
@@ -2615,7 +2631,7 @@
           <a:p>
             <a:fld id="{DBC06DB7-52E6-5C4A-88EC-3DA6D0BFD9A6}" type="datetimeFigureOut">
               <a:rPr lang="it-IT" smtClean="0"/>
-              <a:t>21/07/2022</a:t>
+              <a:t>24/07/22</a:t>
             </a:fld>
             <a:endParaRPr lang="it-IT"/>
           </a:p>
@@ -3027,7 +3043,7 @@
           <a:p>
             <a:fld id="{DBC06DB7-52E6-5C4A-88EC-3DA6D0BFD9A6}" type="datetimeFigureOut">
               <a:rPr lang="it-IT" smtClean="0"/>
-              <a:t>21/07/2022</a:t>
+              <a:t>24/07/22</a:t>
             </a:fld>
             <a:endParaRPr lang="it-IT"/>
           </a:p>
@@ -3168,7 +3184,7 @@
           <a:p>
             <a:fld id="{DBC06DB7-52E6-5C4A-88EC-3DA6D0BFD9A6}" type="datetimeFigureOut">
               <a:rPr lang="it-IT" smtClean="0"/>
-              <a:t>21/07/2022</a:t>
+              <a:t>24/07/22</a:t>
             </a:fld>
             <a:endParaRPr lang="it-IT"/>
           </a:p>
@@ -3281,7 +3297,7 @@
           <a:p>
             <a:fld id="{DBC06DB7-52E6-5C4A-88EC-3DA6D0BFD9A6}" type="datetimeFigureOut">
               <a:rPr lang="it-IT" smtClean="0"/>
-              <a:t>21/07/2022</a:t>
+              <a:t>24/07/22</a:t>
             </a:fld>
             <a:endParaRPr lang="it-IT"/>
           </a:p>
@@ -3592,7 +3608,7 @@
           <a:p>
             <a:fld id="{DBC06DB7-52E6-5C4A-88EC-3DA6D0BFD9A6}" type="datetimeFigureOut">
               <a:rPr lang="it-IT" smtClean="0"/>
-              <a:t>21/07/2022</a:t>
+              <a:t>24/07/22</a:t>
             </a:fld>
             <a:endParaRPr lang="it-IT"/>
           </a:p>
@@ -3880,7 +3896,7 @@
           <a:p>
             <a:fld id="{DBC06DB7-52E6-5C4A-88EC-3DA6D0BFD9A6}" type="datetimeFigureOut">
               <a:rPr lang="it-IT" smtClean="0"/>
-              <a:t>21/07/2022</a:t>
+              <a:t>24/07/22</a:t>
             </a:fld>
             <a:endParaRPr lang="it-IT"/>
           </a:p>
@@ -4121,7 +4137,7 @@
           <a:p>
             <a:fld id="{DBC06DB7-52E6-5C4A-88EC-3DA6D0BFD9A6}" type="datetimeFigureOut">
               <a:rPr lang="it-IT" smtClean="0"/>
-              <a:t>21/07/2022</a:t>
+              <a:t>24/07/22</a:t>
             </a:fld>
             <a:endParaRPr lang="it-IT"/>
           </a:p>
@@ -24779,7 +24795,7 @@
           <a:p>
             <a:r>
               <a:rPr lang="it-IT" dirty="0"/>
-              <a:t>CCOUNT1</a:t>
+              <a:t>CCOUNT0</a:t>
             </a:r>
           </a:p>
         </p:txBody>
